--- a/documentation/presentation.pptx
+++ b/documentation/presentation.pptx
@@ -113,7 +113,7 @@
   </p:defaultTextStyle>
   <p:extLst>
     <p:ext uri="{EFAFB233-063F-42B5-8137-9DF3F51BA10A}">
-      <p15:sldGuideLst xmlns:p15="http://schemas.microsoft.com/office/powerpoint/2012/main" xmlns="">
+      <p15:sldGuideLst xmlns:p15="http://schemas.microsoft.com/office/powerpoint/2012/main">
         <p15:guide id="1" orient="horz" pos="1620">
           <p15:clr>
             <a:srgbClr val="A4A3A4"/>
@@ -216,7 +216,7 @@
           <a:p>
             <a:fld id="{C8D18E60-4300-4729-A0D7-6AB984C3922D}" type="datetimeFigureOut">
               <a:rPr lang="en-US" smtClean="0"/>
-              <a:t>5/8/2018</a:t>
+              <a:t>11/4/2019</a:t>
             </a:fld>
             <a:endParaRPr lang="en-US"/>
           </a:p>
@@ -374,7 +374,7 @@
           <a:p>
             <a:fld id="{AF533E96-F078-4B3D-A8F4-F1AF21EBC357}" type="slidenum">
               <a:rPr lang="en-US" smtClean="0"/>
-              <a:t>‹#›</a:t>
+              <a:t>‹N°›</a:t>
             </a:fld>
             <a:endParaRPr lang="en-US"/>
           </a:p>
@@ -802,7 +802,7 @@
             <a:fld id="{53074F12-AA26-4AC8-9962-C36BB8F32554}" type="datetimeFigureOut">
               <a:rPr lang="en-US" smtClean="0"/>
               <a:pPr/>
-              <a:t>5/8/2018</a:t>
+              <a:t>11/4/2019</a:t>
             </a:fld>
             <a:endParaRPr lang="en-US"/>
           </a:p>
@@ -845,7 +845,7 @@
             <a:fld id="{B82CCC60-E8CD-4174-8B1A-7DF615B22EEF}" type="slidenum">
               <a:rPr lang="en-US" smtClean="0"/>
               <a:pPr/>
-              <a:t>‹#›</a:t>
+              <a:t>‹N°›</a:t>
             </a:fld>
             <a:endParaRPr lang="en-US"/>
           </a:p>
@@ -1056,7 +1056,7 @@
             <a:fld id="{53074F12-AA26-4AC8-9962-C36BB8F32554}" type="datetimeFigureOut">
               <a:rPr lang="en-US" smtClean="0"/>
               <a:pPr/>
-              <a:t>5/8/2018</a:t>
+              <a:t>11/4/2019</a:t>
             </a:fld>
             <a:endParaRPr lang="en-US"/>
           </a:p>
@@ -1099,7 +1099,7 @@
             <a:fld id="{B82CCC60-E8CD-4174-8B1A-7DF615B22EEF}" type="slidenum">
               <a:rPr lang="en-US" smtClean="0"/>
               <a:pPr/>
-              <a:t>‹#›</a:t>
+              <a:t>‹N°›</a:t>
             </a:fld>
             <a:endParaRPr lang="en-US"/>
           </a:p>
@@ -1226,7 +1226,7 @@
             <a:fld id="{53074F12-AA26-4AC8-9962-C36BB8F32554}" type="datetimeFigureOut">
               <a:rPr lang="en-US" smtClean="0"/>
               <a:pPr/>
-              <a:t>5/8/2018</a:t>
+              <a:t>11/4/2019</a:t>
             </a:fld>
             <a:endParaRPr lang="en-US"/>
           </a:p>
@@ -1269,7 +1269,7 @@
             <a:fld id="{B82CCC60-E8CD-4174-8B1A-7DF615B22EEF}" type="slidenum">
               <a:rPr lang="en-US" smtClean="0"/>
               <a:pPr/>
-              <a:t>‹#›</a:t>
+              <a:t>‹N°›</a:t>
             </a:fld>
             <a:endParaRPr lang="en-US"/>
           </a:p>
@@ -1406,7 +1406,7 @@
             <a:fld id="{53074F12-AA26-4AC8-9962-C36BB8F32554}" type="datetimeFigureOut">
               <a:rPr lang="en-US" smtClean="0"/>
               <a:pPr/>
-              <a:t>5/8/2018</a:t>
+              <a:t>11/4/2019</a:t>
             </a:fld>
             <a:endParaRPr lang="en-US"/>
           </a:p>
@@ -1449,7 +1449,7 @@
             <a:fld id="{B82CCC60-E8CD-4174-8B1A-7DF615B22EEF}" type="slidenum">
               <a:rPr lang="en-US" smtClean="0"/>
               <a:pPr/>
-              <a:t>‹#›</a:t>
+              <a:t>‹N°›</a:t>
             </a:fld>
             <a:endParaRPr lang="en-US"/>
           </a:p>
@@ -1460,7 +1460,7 @@
           <p:cNvPr id="7" name="Picture 6" descr="E:\websites\free-power-point-templates\2012\logos.png">
             <a:extLst>
               <a:ext uri="{FF2B5EF4-FFF2-40B4-BE49-F238E27FC236}">
-                <a16:creationId xmlns:a16="http://schemas.microsoft.com/office/drawing/2014/main" xmlns="" id="{08B89D22-1D6E-450B-881F-4D2A4C527F72}"/>
+                <a16:creationId xmlns:a16="http://schemas.microsoft.com/office/drawing/2014/main" id="{08B89D22-1D6E-450B-881F-4D2A4C527F72}"/>
               </a:ext>
             </a:extLst>
           </p:cNvPr>
@@ -1698,7 +1698,7 @@
             <a:fld id="{53074F12-AA26-4AC8-9962-C36BB8F32554}" type="datetimeFigureOut">
               <a:rPr lang="en-US" smtClean="0"/>
               <a:pPr/>
-              <a:t>5/8/2018</a:t>
+              <a:t>11/4/2019</a:t>
             </a:fld>
             <a:endParaRPr lang="en-US"/>
           </a:p>
@@ -1741,7 +1741,7 @@
             <a:fld id="{B82CCC60-E8CD-4174-8B1A-7DF615B22EEF}" type="slidenum">
               <a:rPr lang="en-US" smtClean="0"/>
               <a:pPr/>
-              <a:t>‹#›</a:t>
+              <a:t>‹N°›</a:t>
             </a:fld>
             <a:endParaRPr lang="en-US"/>
           </a:p>
@@ -1945,7 +1945,7 @@
             <a:fld id="{53074F12-AA26-4AC8-9962-C36BB8F32554}" type="datetimeFigureOut">
               <a:rPr lang="en-US" smtClean="0"/>
               <a:pPr/>
-              <a:t>5/8/2018</a:t>
+              <a:t>11/4/2019</a:t>
             </a:fld>
             <a:endParaRPr lang="en-US"/>
           </a:p>
@@ -1988,7 +1988,7 @@
             <a:fld id="{B82CCC60-E8CD-4174-8B1A-7DF615B22EEF}" type="slidenum">
               <a:rPr lang="en-US" smtClean="0"/>
               <a:pPr/>
-              <a:t>‹#›</a:t>
+              <a:t>‹N°›</a:t>
             </a:fld>
             <a:endParaRPr lang="en-US"/>
           </a:p>
@@ -2192,7 +2192,7 @@
             <a:fld id="{53074F12-AA26-4AC8-9962-C36BB8F32554}" type="datetimeFigureOut">
               <a:rPr lang="en-US" smtClean="0"/>
               <a:pPr/>
-              <a:t>5/8/2018</a:t>
+              <a:t>11/4/2019</a:t>
             </a:fld>
             <a:endParaRPr lang="en-US"/>
           </a:p>
@@ -2235,7 +2235,7 @@
             <a:fld id="{B82CCC60-E8CD-4174-8B1A-7DF615B22EEF}" type="slidenum">
               <a:rPr lang="en-US" smtClean="0"/>
               <a:pPr/>
-              <a:t>‹#›</a:t>
+              <a:t>‹N°›</a:t>
             </a:fld>
             <a:endParaRPr lang="en-US"/>
           </a:p>
@@ -2479,7 +2479,7 @@
             <a:fld id="{53074F12-AA26-4AC8-9962-C36BB8F32554}" type="datetimeFigureOut">
               <a:rPr lang="en-US" smtClean="0"/>
               <a:pPr/>
-              <a:t>5/8/2018</a:t>
+              <a:t>11/4/2019</a:t>
             </a:fld>
             <a:endParaRPr lang="en-US"/>
           </a:p>
@@ -2522,7 +2522,7 @@
             <a:fld id="{B82CCC60-E8CD-4174-8B1A-7DF615B22EEF}" type="slidenum">
               <a:rPr lang="en-US" smtClean="0"/>
               <a:pPr/>
-              <a:t>‹#›</a:t>
+              <a:t>‹N°›</a:t>
             </a:fld>
             <a:endParaRPr lang="en-US"/>
           </a:p>
@@ -2990,7 +2990,7 @@
             <a:fld id="{53074F12-AA26-4AC8-9962-C36BB8F32554}" type="datetimeFigureOut">
               <a:rPr lang="en-US" smtClean="0"/>
               <a:pPr/>
-              <a:t>5/8/2018</a:t>
+              <a:t>11/4/2019</a:t>
             </a:fld>
             <a:endParaRPr lang="en-US"/>
           </a:p>
@@ -3033,7 +3033,7 @@
             <a:fld id="{B82CCC60-E8CD-4174-8B1A-7DF615B22EEF}" type="slidenum">
               <a:rPr lang="en-US" smtClean="0"/>
               <a:pPr/>
-              <a:t>‹#›</a:t>
+              <a:t>‹N°›</a:t>
             </a:fld>
             <a:endParaRPr lang="en-US"/>
           </a:p>
@@ -3109,7 +3109,7 @@
             <a:fld id="{53074F12-AA26-4AC8-9962-C36BB8F32554}" type="datetimeFigureOut">
               <a:rPr lang="en-US" smtClean="0"/>
               <a:pPr/>
-              <a:t>5/8/2018</a:t>
+              <a:t>11/4/2019</a:t>
             </a:fld>
             <a:endParaRPr lang="en-US"/>
           </a:p>
@@ -3152,7 +3152,7 @@
             <a:fld id="{B82CCC60-E8CD-4174-8B1A-7DF615B22EEF}" type="slidenum">
               <a:rPr lang="en-US" smtClean="0"/>
               <a:pPr/>
-              <a:t>‹#›</a:t>
+              <a:t>‹N°›</a:t>
             </a:fld>
             <a:endParaRPr lang="en-US"/>
           </a:p>
@@ -3206,7 +3206,7 @@
             <a:fld id="{53074F12-AA26-4AC8-9962-C36BB8F32554}" type="datetimeFigureOut">
               <a:rPr lang="en-US" smtClean="0"/>
               <a:pPr/>
-              <a:t>5/8/2018</a:t>
+              <a:t>11/4/2019</a:t>
             </a:fld>
             <a:endParaRPr lang="en-US"/>
           </a:p>
@@ -3249,7 +3249,7 @@
             <a:fld id="{B82CCC60-E8CD-4174-8B1A-7DF615B22EEF}" type="slidenum">
               <a:rPr lang="en-US" smtClean="0"/>
               <a:pPr/>
-              <a:t>‹#›</a:t>
+              <a:t>‹N°›</a:t>
             </a:fld>
             <a:endParaRPr lang="en-US"/>
           </a:p>
@@ -3483,7 +3483,7 @@
             <a:fld id="{53074F12-AA26-4AC8-9962-C36BB8F32554}" type="datetimeFigureOut">
               <a:rPr lang="en-US" smtClean="0"/>
               <a:pPr/>
-              <a:t>5/8/2018</a:t>
+              <a:t>11/4/2019</a:t>
             </a:fld>
             <a:endParaRPr lang="en-US"/>
           </a:p>
@@ -3526,7 +3526,7 @@
             <a:fld id="{B82CCC60-E8CD-4174-8B1A-7DF615B22EEF}" type="slidenum">
               <a:rPr lang="en-US" smtClean="0"/>
               <a:pPr/>
-              <a:t>‹#›</a:t>
+              <a:t>‹N°›</a:t>
             </a:fld>
             <a:endParaRPr lang="en-US"/>
           </a:p>
@@ -3705,7 +3705,7 @@
             <a:fld id="{53074F12-AA26-4AC8-9962-C36BB8F32554}" type="datetimeFigureOut">
               <a:rPr lang="en-US" smtClean="0"/>
               <a:pPr/>
-              <a:t>5/8/2018</a:t>
+              <a:t>11/4/2019</a:t>
             </a:fld>
             <a:endParaRPr lang="en-US"/>
           </a:p>
@@ -3784,7 +3784,7 @@
             <a:fld id="{B82CCC60-E8CD-4174-8B1A-7DF615B22EEF}" type="slidenum">
               <a:rPr lang="en-US" smtClean="0"/>
               <a:pPr/>
-              <a:t>‹#›</a:t>
+              <a:t>‹N°›</a:t>
             </a:fld>
             <a:endParaRPr lang="en-US"/>
           </a:p>
@@ -3795,7 +3795,7 @@
           <p:cNvPr id="7" name="TextBox 6">
             <a:extLst>
               <a:ext uri="{FF2B5EF4-FFF2-40B4-BE49-F238E27FC236}">
-                <a16:creationId xmlns:a16="http://schemas.microsoft.com/office/drawing/2014/main" xmlns="" id="{11E867DF-3DCA-4725-94F0-F2B6BD747A82}"/>
+                <a16:creationId xmlns:a16="http://schemas.microsoft.com/office/drawing/2014/main" id="{11E867DF-3DCA-4725-94F0-F2B6BD747A82}"/>
               </a:ext>
             </a:extLst>
           </p:cNvPr>
@@ -4199,10 +4199,7 @@
           <a:bodyPr/>
           <a:lstStyle/>
           <a:p>
-            <a:r>
-              <a:rPr lang="en-US" dirty="0"/>
-              <a:t>FPPT.com</a:t>
-            </a:r>
+            <a:endParaRPr lang="en-US" dirty="0"/>
           </a:p>
         </p:txBody>
       </p:sp>
@@ -5231,7 +5228,7 @@
   <a:extraClrSchemeLst/>
   <a:extLst>
     <a:ext uri="{05A4C25C-085E-4340-85A3-A5531E510DB2}">
-      <thm15:themeFamily xmlns:thm15="http://schemas.microsoft.com/office/thememl/2012/main" xmlns="" name="Office Theme" id="{62F939B6-93AF-4DB8-9C6B-D6C7DFDC589F}" vid="{4A3C46E8-61CC-4603-A589-7422A47A8E4A}"/>
+      <thm15:themeFamily xmlns:thm15="http://schemas.microsoft.com/office/thememl/2012/main" name="Office Theme" id="{62F939B6-93AF-4DB8-9C6B-D6C7DFDC589F}" vid="{4A3C46E8-61CC-4603-A589-7422A47A8E4A}"/>
     </a:ext>
   </a:extLst>
 </a:theme>

--- a/documentation/presentation.pptx
+++ b/documentation/presentation.pptx
@@ -4147,8 +4147,8 @@
         </p:nvSpPr>
         <p:spPr>
           <a:xfrm>
-            <a:off x="461101" y="825910"/>
-            <a:ext cx="8203575" cy="1364225"/>
+            <a:off x="0" y="1298864"/>
+            <a:ext cx="9143999" cy="2472253"/>
           </a:xfrm>
         </p:spPr>
         <p:txBody>
@@ -4158,24 +4158,41 @@
           <a:lstStyle/>
           <a:p>
             <a:r>
-              <a:rPr lang="en-US" dirty="0"/>
-              <a:t>Click to edit </a:t>
-            </a:r>
-            <a:r>
-              <a:rPr lang="en-US" dirty="0" smtClean="0"/>
+              <a:rPr lang="en-US" sz="3100" dirty="0" err="1" smtClean="0"/>
+              <a:t>Sujet</a:t>
+            </a:r>
+            <a:r>
+              <a:rPr lang="en-US" sz="3100" dirty="0" smtClean="0"/>
+              <a:t> : </a:t>
+            </a:r>
+            <a:r>
+              <a:rPr lang="fr-FR" sz="3100" b="1" dirty="0"/>
+              <a:t>Recherche sur les logiciels open source dans le </a:t>
+            </a:r>
+            <a:r>
+              <a:rPr lang="fr-FR" sz="3100" b="1" dirty="0" smtClean="0"/>
+              <a:t>	domaine </a:t>
+            </a:r>
+            <a:r>
+              <a:rPr lang="fr-FR" sz="3100" b="1" dirty="0"/>
+              <a:t>de la sécurité et développement d’une </a:t>
+            </a:r>
+            <a:r>
+              <a:rPr lang="fr-FR" sz="3100" b="1" dirty="0" smtClean="0"/>
+              <a:t>	application </a:t>
+            </a:r>
+            <a:r>
+              <a:rPr lang="fr-FR" sz="3100" b="1" dirty="0"/>
+              <a:t>pour le département criminel</a:t>
+            </a:r>
+            <a:r>
+              <a:rPr lang="fr-FR" dirty="0"/>
               <a:t/>
             </a:r>
             <a:br>
-              <a:rPr lang="en-US" dirty="0" smtClean="0"/>
+              <a:rPr lang="fr-FR" dirty="0"/>
             </a:br>
-            <a:r>
-              <a:rPr lang="en-US" dirty="0" smtClean="0"/>
-              <a:t>Master </a:t>
-            </a:r>
-            <a:r>
-              <a:rPr lang="en-US" dirty="0"/>
-              <a:t>title style</a:t>
-            </a:r>
+            <a:endParaRPr lang="en-US" dirty="0"/>
           </a:p>
         </p:txBody>
       </p:sp>
@@ -4191,18 +4208,208 @@
         </p:nvSpPr>
         <p:spPr>
           <a:xfrm>
-            <a:off x="512723" y="4173498"/>
-            <a:ext cx="8188953" cy="763525"/>
+            <a:off x="512723" y="3788435"/>
+            <a:ext cx="8188953" cy="1148588"/>
           </a:xfrm>
         </p:spPr>
         <p:txBody>
           <a:bodyPr/>
           <a:lstStyle/>
           <a:p>
+            <a:pPr algn="l"/>
+            <a:r>
+              <a:rPr lang="en-US" dirty="0" err="1" smtClean="0"/>
+              <a:t>Elaboré</a:t>
+            </a:r>
+            <a:r>
+              <a:rPr lang="en-US" dirty="0" smtClean="0"/>
+              <a:t> par : Habib AROUA</a:t>
+            </a:r>
+          </a:p>
+          <a:p>
+            <a:pPr algn="l"/>
+            <a:r>
+              <a:rPr lang="en-US" dirty="0" err="1" smtClean="0"/>
+              <a:t>Encadré</a:t>
+            </a:r>
+            <a:r>
+              <a:rPr lang="en-US" dirty="0" smtClean="0"/>
+              <a:t> par : </a:t>
+            </a:r>
+            <a:r>
+              <a:rPr lang="en-US" dirty="0" err="1" smtClean="0"/>
+              <a:t>Mr</a:t>
+            </a:r>
+            <a:r>
+              <a:rPr lang="en-US" dirty="0"/>
+              <a:t> </a:t>
+            </a:r>
+            <a:r>
+              <a:rPr lang="en-US" dirty="0" err="1" smtClean="0"/>
+              <a:t>Noureddine</a:t>
+            </a:r>
+            <a:r>
+              <a:rPr lang="en-US" dirty="0" smtClean="0"/>
+              <a:t> BEN ABBES</a:t>
+            </a:r>
             <a:endParaRPr lang="en-US" dirty="0"/>
           </a:p>
         </p:txBody>
       </p:sp>
+      <p:pic>
+        <p:nvPicPr>
+          <p:cNvPr id="6" name="Image 5"/>
+          <p:cNvPicPr>
+            <a:picLocks noChangeAspect="1"/>
+          </p:cNvPicPr>
+          <p:nvPr/>
+        </p:nvPicPr>
+        <p:blipFill>
+          <a:blip r:embed="rId3"/>
+          <a:stretch>
+            <a:fillRect/>
+          </a:stretch>
+        </p:blipFill>
+        <p:spPr>
+          <a:xfrm>
+            <a:off x="0" y="0"/>
+            <a:ext cx="2143125" cy="1219200"/>
+          </a:xfrm>
+          <a:prstGeom prst="rect">
+            <a:avLst/>
+          </a:prstGeom>
+        </p:spPr>
+      </p:pic>
+      <p:sp>
+        <p:nvSpPr>
+          <p:cNvPr id="7" name="Rectangle 6"/>
+          <p:cNvSpPr>
+            <a:spLocks noChangeArrowheads="1"/>
+          </p:cNvSpPr>
+          <p:nvPr/>
+        </p:nvSpPr>
+        <p:spPr bwMode="auto">
+          <a:xfrm>
+            <a:off x="7000874" y="-1"/>
+            <a:ext cx="12031579" cy="0"/>
+          </a:xfrm>
+          <a:prstGeom prst="rect">
+            <a:avLst/>
+          </a:prstGeom>
+          <a:noFill/>
+          <a:ln>
+            <a:noFill/>
+          </a:ln>
+          <a:effectLst/>
+          <a:extLst>
+            <a:ext uri="{909E8E84-426E-40DD-AFC4-6F175D3DCCD1}">
+              <a14:hiddenFill xmlns:a14="http://schemas.microsoft.com/office/drawing/2010/main">
+                <a:solidFill>
+                  <a:schemeClr val="accent1"/>
+                </a:solidFill>
+              </a14:hiddenFill>
+            </a:ext>
+            <a:ext uri="{91240B29-F687-4F45-9708-019B960494DF}">
+              <a14:hiddenLine xmlns:a14="http://schemas.microsoft.com/office/drawing/2010/main" w="9525">
+                <a:solidFill>
+                  <a:schemeClr val="tx1"/>
+                </a:solidFill>
+                <a:miter lim="800000"/>
+                <a:headEnd/>
+                <a:tailEnd/>
+              </a14:hiddenLine>
+            </a:ext>
+            <a:ext uri="{AF507438-7753-43E0-B8FC-AC1667EBCBE1}">
+              <a14:hiddenEffects xmlns:a14="http://schemas.microsoft.com/office/drawing/2010/main">
+                <a:effectLst>
+                  <a:outerShdw dist="35921" dir="2700000" algn="ctr" rotWithShape="0">
+                    <a:schemeClr val="bg2"/>
+                  </a:outerShdw>
+                </a:effectLst>
+              </a14:hiddenEffects>
+            </a:ext>
+          </a:extLst>
+        </p:spPr>
+        <p:txBody>
+          <a:bodyPr vert="horz" wrap="square" lIns="91440" tIns="45720" rIns="91440" bIns="45720" numCol="1" anchor="ctr" anchorCtr="0" compatLnSpc="1">
+            <a:prstTxWarp prst="textNoShape">
+              <a:avLst/>
+            </a:prstTxWarp>
+            <a:spAutoFit/>
+          </a:bodyPr>
+          <a:lstStyle/>
+          <a:p>
+            <a:endParaRPr lang="fr-FR"/>
+          </a:p>
+        </p:txBody>
+      </p:sp>
+      <p:graphicFrame>
+        <p:nvGraphicFramePr>
+          <p:cNvPr id="8" name="Objet 7"/>
+          <p:cNvGraphicFramePr>
+            <a:graphicFrameLocks noChangeAspect="1"/>
+          </p:cNvGraphicFramePr>
+          <p:nvPr>
+            <p:extLst>
+              <p:ext uri="{D42A27DB-BD31-4B8C-83A1-F6EECF244321}">
+                <p14:modId xmlns:p14="http://schemas.microsoft.com/office/powerpoint/2010/main" val="581103613"/>
+              </p:ext>
+            </p:extLst>
+          </p:nvPr>
+        </p:nvGraphicFramePr>
+        <p:xfrm>
+          <a:off x="7000875" y="0"/>
+          <a:ext cx="2143125" cy="1201882"/>
+        </p:xfrm>
+        <a:graphic>
+          <a:graphicData uri="http://schemas.openxmlformats.org/presentationml/2006/ole">
+            <mc:AlternateContent xmlns:mc="http://schemas.openxmlformats.org/markup-compatibility/2006">
+              <mc:Choice xmlns:v="urn:schemas-microsoft-com:vml" Requires="v">
+                <p:oleObj spid="_x0000_s1032" name="Image bitmap" r:id="rId4" imgW="2161905" imgH="952633" progId="Paint.Picture">
+                  <p:embed/>
+                </p:oleObj>
+              </mc:Choice>
+              <mc:Fallback>
+                <p:oleObj name="Image bitmap" r:id="rId4" imgW="2161905" imgH="952633" progId="Paint.Picture">
+                  <p:embed/>
+                  <p:pic>
+                    <p:nvPicPr>
+                      <p:cNvPr id="0" name="Object 5"/>
+                      <p:cNvPicPr>
+                        <a:picLocks noChangeAspect="1" noChangeArrowheads="1"/>
+                      </p:cNvPicPr>
+                      <p:nvPr/>
+                    </p:nvPicPr>
+                    <p:blipFill>
+                      <a:blip r:embed="rId5">
+                        <a:extLst>
+                          <a:ext uri="{28A0092B-C50C-407E-A947-70E740481C1C}">
+                            <a14:useLocalDpi xmlns:a14="http://schemas.microsoft.com/office/drawing/2010/main" val="0"/>
+                          </a:ext>
+                        </a:extLst>
+                      </a:blip>
+                      <a:srcRect/>
+                      <a:stretch>
+                        <a:fillRect/>
+                      </a:stretch>
+                    </p:blipFill>
+                    <p:spPr bwMode="auto">
+                      <a:xfrm>
+                        <a:off x="7000875" y="0"/>
+                        <a:ext cx="2143125" cy="1201882"/>
+                      </a:xfrm>
+                      <a:prstGeom prst="rect">
+                        <a:avLst/>
+                      </a:prstGeom>
+                      <a:noFill/>
+                    </p:spPr>
+                  </p:pic>
+                </p:oleObj>
+              </mc:Fallback>
+            </mc:AlternateContent>
+          </a:graphicData>
+        </a:graphic>
+      </p:graphicFrame>
     </p:spTree>
     <p:extLst>
       <p:ext uri="{BB962C8B-B14F-4D97-AF65-F5344CB8AC3E}">
@@ -4213,6 +4420,13 @@
   <p:clrMapOvr>
     <a:masterClrMapping/>
   </p:clrMapOvr>
+  <p:timing>
+    <p:tnLst>
+      <p:par>
+        <p:cTn id="1" dur="indefinite" restart="never" nodeType="tmRoot"/>
+      </p:par>
+    </p:tnLst>
+  </p:timing>
 </p:sld>
 </file>
 
@@ -4251,9 +4465,10 @@
           <a:lstStyle/>
           <a:p>
             <a:r>
-              <a:rPr lang="en-US" dirty="0"/>
-              <a:t>Slide Title</a:t>
-            </a:r>
+              <a:rPr lang="en-US" dirty="0" smtClean="0"/>
+              <a:t>Plan</a:t>
+            </a:r>
+            <a:endParaRPr lang="en-US" dirty="0"/>
           </a:p>
         </p:txBody>
       </p:sp>
@@ -4273,30 +4488,13 @@
           <a:lstStyle/>
           <a:p>
             <a:r>
-              <a:rPr lang="en-US"/>
-              <a:t>Make Effective Presentations</a:t>
-            </a:r>
-          </a:p>
-          <a:p>
-            <a:r>
-              <a:rPr lang="en-US"/>
-              <a:t>Using Awesome Backgrounds</a:t>
-            </a:r>
-          </a:p>
-          <a:p>
-            <a:r>
-              <a:rPr lang="en-US"/>
-              <a:t>Engage your Audience</a:t>
-            </a:r>
-          </a:p>
-          <a:p>
-            <a:r>
-              <a:rPr lang="en-US"/>
-              <a:t>Capture Audience Attention</a:t>
-            </a:r>
-          </a:p>
-          <a:p>
-            <a:endParaRPr lang="en-US"/>
+              <a:rPr lang="en-US" dirty="0" smtClean="0"/>
+              <a:t>Présentation de l’entreprise</a:t>
+            </a:r>
+            <a:endParaRPr lang="en-US" dirty="0"/>
+          </a:p>
+          <a:p>
+            <a:endParaRPr lang="en-US" dirty="0"/>
           </a:p>
           <a:p>
             <a:endParaRPr lang="en-US" dirty="0"/>
@@ -4313,6 +4511,13 @@
   <p:clrMapOvr>
     <a:masterClrMapping/>
   </p:clrMapOvr>
+  <p:timing>
+    <p:tnLst>
+      <p:par>
+        <p:cTn id="1" dur="indefinite" restart="never" nodeType="tmRoot"/>
+      </p:par>
+    </p:tnLst>
+  </p:timing>
 </p:sld>
 </file>
 

--- a/documentation/presentation.pptx
+++ b/documentation/presentation.pptx
@@ -5,14 +5,15 @@
     <p:sldMasterId id="2147483648" r:id="rId1"/>
   </p:sldMasterIdLst>
   <p:notesMasterIdLst>
-    <p:notesMasterId r:id="rId7"/>
+    <p:notesMasterId r:id="rId8"/>
   </p:notesMasterIdLst>
   <p:sldIdLst>
     <p:sldId id="256" r:id="rId2"/>
     <p:sldId id="257" r:id="rId3"/>
-    <p:sldId id="259" r:id="rId4"/>
-    <p:sldId id="258" r:id="rId5"/>
-    <p:sldId id="260" r:id="rId6"/>
+    <p:sldId id="261" r:id="rId4"/>
+    <p:sldId id="259" r:id="rId5"/>
+    <p:sldId id="258" r:id="rId6"/>
+    <p:sldId id="260" r:id="rId7"/>
   </p:sldIdLst>
   <p:sldSz cx="9144000" cy="5143500" type="screen16x9"/>
   <p:notesSz cx="6858000" cy="9144000"/>
@@ -548,7 +549,7 @@
           <a:p>
             <a:fld id="{87350B06-B074-48FC-8CFD-53D2CD8FB95F}" type="slidenum">
               <a:rPr lang="en-US" smtClean="0"/>
-              <a:t>5</a:t>
+              <a:t>6</a:t>
             </a:fld>
             <a:endParaRPr lang="en-US"/>
           </a:p>
@@ -4365,7 +4366,7 @@
           <a:graphicData uri="http://schemas.openxmlformats.org/presentationml/2006/ole">
             <mc:AlternateContent xmlns:mc="http://schemas.openxmlformats.org/markup-compatibility/2006">
               <mc:Choice xmlns:v="urn:schemas-microsoft-com:vml" Requires="v">
-                <p:oleObj spid="_x0000_s1032" name="Image bitmap" r:id="rId4" imgW="2161905" imgH="952633" progId="Paint.Picture">
+                <p:oleObj spid="_x0000_s1033" name="Image bitmap" r:id="rId4" imgW="2161905" imgH="952633" progId="Paint.Picture">
                   <p:embed/>
                 </p:oleObj>
               </mc:Choice>
@@ -4464,6 +4465,7 @@
           </a:bodyPr>
           <a:lstStyle/>
           <a:p>
+            <a:pPr algn="ctr"/>
             <a:r>
               <a:rPr lang="en-US" dirty="0" smtClean="0"/>
               <a:t>Plan</a:t>
@@ -4491,9 +4493,57 @@
               <a:rPr lang="en-US" dirty="0" smtClean="0"/>
               <a:t>Présentation de l’entreprise</a:t>
             </a:r>
-            <a:endParaRPr lang="en-US" dirty="0"/>
-          </a:p>
-          <a:p>
+          </a:p>
+          <a:p>
+            <a:r>
+              <a:rPr lang="en-US" dirty="0" err="1" smtClean="0"/>
+              <a:t>Objectif</a:t>
+            </a:r>
+            <a:endParaRPr lang="en-US" dirty="0" smtClean="0"/>
+          </a:p>
+          <a:p>
+            <a:r>
+              <a:rPr lang="en-US" dirty="0" smtClean="0"/>
+              <a:t>La </a:t>
+            </a:r>
+            <a:r>
+              <a:rPr lang="en-US" dirty="0" err="1" smtClean="0"/>
+              <a:t>partie</a:t>
+            </a:r>
+            <a:r>
+              <a:rPr lang="en-US" dirty="0" smtClean="0"/>
+              <a:t> </a:t>
+            </a:r>
+            <a:r>
+              <a:rPr lang="en-US" dirty="0" err="1" smtClean="0"/>
+              <a:t>recherche</a:t>
+            </a:r>
+            <a:endParaRPr lang="en-US" dirty="0" smtClean="0"/>
+          </a:p>
+          <a:p>
+            <a:r>
+              <a:rPr lang="en-US" dirty="0" smtClean="0"/>
+              <a:t>La </a:t>
+            </a:r>
+            <a:r>
+              <a:rPr lang="en-US" dirty="0" err="1" smtClean="0"/>
+              <a:t>partie</a:t>
+            </a:r>
+            <a:r>
+              <a:rPr lang="en-US" dirty="0"/>
+              <a:t> </a:t>
+            </a:r>
+            <a:r>
+              <a:rPr lang="en-US" dirty="0" err="1" smtClean="0"/>
+              <a:t>développement</a:t>
+            </a:r>
+            <a:endParaRPr lang="en-US" dirty="0" smtClean="0"/>
+          </a:p>
+          <a:p>
+            <a:r>
+              <a:rPr lang="en-US" dirty="0" smtClean="0"/>
+              <a:t>Perspective</a:t>
+            </a:r>
             <a:endParaRPr lang="en-US" dirty="0"/>
           </a:p>
           <a:p>
@@ -4540,7 +4590,7 @@
       </p:grpSpPr>
       <p:sp>
         <p:nvSpPr>
-          <p:cNvPr id="4" name="Title 3"/>
+          <p:cNvPr id="2" name="Titre 1"/>
           <p:cNvSpPr>
             <a:spLocks noGrp="1"/>
           </p:cNvSpPr>
@@ -4555,17 +4605,18 @@
           </a:bodyPr>
           <a:lstStyle/>
           <a:p>
-            <a:r>
-              <a:rPr lang="en-US"/>
-              <a:t>Slide Title</a:t>
-            </a:r>
-            <a:endParaRPr lang="en-US" dirty="0"/>
-          </a:p>
-        </p:txBody>
-      </p:sp>
-      <p:sp>
-        <p:nvSpPr>
-          <p:cNvPr id="5" name="Content Placeholder 4"/>
+            <a:pPr algn="ctr"/>
+            <a:r>
+              <a:rPr lang="fr-FR" dirty="0" smtClean="0"/>
+              <a:t>Plan</a:t>
+            </a:r>
+            <a:endParaRPr lang="fr-FR" dirty="0"/>
+          </a:p>
+        </p:txBody>
+      </p:sp>
+      <p:sp>
+        <p:nvSpPr>
+          <p:cNvPr id="3" name="Espace réservé du contenu 2"/>
           <p:cNvSpPr>
             <a:spLocks noGrp="1"/>
           </p:cNvSpPr>
@@ -4579,35 +4630,37 @@
           <a:lstStyle/>
           <a:p>
             <a:r>
-              <a:rPr lang="en-US"/>
-              <a:t>Make Effective Presentations</a:t>
-            </a:r>
-          </a:p>
-          <a:p>
-            <a:r>
-              <a:rPr lang="en-US"/>
-              <a:t>Using Awesome Backgrounds</a:t>
-            </a:r>
-          </a:p>
-          <a:p>
-            <a:r>
-              <a:rPr lang="en-US"/>
-              <a:t>Engage your Audience</a:t>
-            </a:r>
-          </a:p>
-          <a:p>
-            <a:r>
-              <a:rPr lang="en-US"/>
-              <a:t>Capture Audience Attention</a:t>
-            </a:r>
-            <a:endParaRPr lang="en-US" dirty="0"/>
+              <a:rPr lang="fr-FR" dirty="0" smtClean="0"/>
+              <a:t>La partie recherche</a:t>
+            </a:r>
+          </a:p>
+          <a:p>
+            <a:pPr lvl="1"/>
+            <a:r>
+              <a:rPr lang="fr-FR" dirty="0" smtClean="0"/>
+              <a:t>Empreinte digitale</a:t>
+            </a:r>
+          </a:p>
+          <a:p>
+            <a:pPr lvl="1"/>
+            <a:r>
+              <a:rPr lang="fr-FR" dirty="0"/>
+              <a:t>reconnaissance facial</a:t>
+            </a:r>
+            <a:endParaRPr lang="fr-FR" dirty="0" smtClean="0"/>
+          </a:p>
+          <a:p>
+            <a:r>
+              <a:rPr lang="fr-FR" dirty="0"/>
+              <a:t>La partie développement</a:t>
+            </a:r>
           </a:p>
         </p:txBody>
       </p:sp>
     </p:spTree>
     <p:extLst>
       <p:ext uri="{BB962C8B-B14F-4D97-AF65-F5344CB8AC3E}">
-        <p14:creationId xmlns:p14="http://schemas.microsoft.com/office/powerpoint/2010/main" val="1101633878"/>
+        <p14:creationId xmlns:p14="http://schemas.microsoft.com/office/powerpoint/2010/main" val="1345083553"/>
       </p:ext>
     </p:extLst>
   </p:cSld>
@@ -4661,6 +4714,102 @@
       </p:sp>
       <p:sp>
         <p:nvSpPr>
+          <p:cNvPr id="5" name="Content Placeholder 4"/>
+          <p:cNvSpPr>
+            <a:spLocks noGrp="1"/>
+          </p:cNvSpPr>
+          <p:nvPr>
+            <p:ph idx="1"/>
+          </p:nvPr>
+        </p:nvSpPr>
+        <p:spPr/>
+        <p:txBody>
+          <a:bodyPr/>
+          <a:lstStyle/>
+          <a:p>
+            <a:r>
+              <a:rPr lang="en-US"/>
+              <a:t>Make Effective Presentations</a:t>
+            </a:r>
+          </a:p>
+          <a:p>
+            <a:r>
+              <a:rPr lang="en-US"/>
+              <a:t>Using Awesome Backgrounds</a:t>
+            </a:r>
+          </a:p>
+          <a:p>
+            <a:r>
+              <a:rPr lang="en-US"/>
+              <a:t>Engage your Audience</a:t>
+            </a:r>
+          </a:p>
+          <a:p>
+            <a:r>
+              <a:rPr lang="en-US"/>
+              <a:t>Capture Audience Attention</a:t>
+            </a:r>
+            <a:endParaRPr lang="en-US" dirty="0"/>
+          </a:p>
+        </p:txBody>
+      </p:sp>
+    </p:spTree>
+    <p:extLst>
+      <p:ext uri="{BB962C8B-B14F-4D97-AF65-F5344CB8AC3E}">
+        <p14:creationId xmlns:p14="http://schemas.microsoft.com/office/powerpoint/2010/main" val="1101633878"/>
+      </p:ext>
+    </p:extLst>
+  </p:cSld>
+  <p:clrMapOvr>
+    <a:masterClrMapping/>
+  </p:clrMapOvr>
+</p:sld>
+</file>
+
+<file path=ppt/slides/slide5.xml><?xml version="1.0" encoding="utf-8"?>
+<p:sld xmlns:a="http://schemas.openxmlformats.org/drawingml/2006/main" xmlns:r="http://schemas.openxmlformats.org/officeDocument/2006/relationships" xmlns:p="http://schemas.openxmlformats.org/presentationml/2006/main">
+  <p:cSld>
+    <p:spTree>
+      <p:nvGrpSpPr>
+        <p:cNvPr id="1" name=""/>
+        <p:cNvGrpSpPr/>
+        <p:nvPr/>
+      </p:nvGrpSpPr>
+      <p:grpSpPr>
+        <a:xfrm>
+          <a:off x="0" y="0"/>
+          <a:ext cx="0" cy="0"/>
+          <a:chOff x="0" y="0"/>
+          <a:chExt cx="0" cy="0"/>
+        </a:xfrm>
+      </p:grpSpPr>
+      <p:sp>
+        <p:nvSpPr>
+          <p:cNvPr id="4" name="Title 3"/>
+          <p:cNvSpPr>
+            <a:spLocks noGrp="1"/>
+          </p:cNvSpPr>
+          <p:nvPr>
+            <p:ph type="title"/>
+          </p:nvPr>
+        </p:nvSpPr>
+        <p:spPr/>
+        <p:txBody>
+          <a:bodyPr>
+            <a:normAutofit/>
+          </a:bodyPr>
+          <a:lstStyle/>
+          <a:p>
+            <a:r>
+              <a:rPr lang="en-US"/>
+              <a:t>Slide Title</a:t>
+            </a:r>
+            <a:endParaRPr lang="en-US" dirty="0"/>
+          </a:p>
+        </p:txBody>
+      </p:sp>
+      <p:sp>
+        <p:nvSpPr>
           <p:cNvPr id="5" name="Text Placeholder 4"/>
           <p:cNvSpPr>
             <a:spLocks noGrp="1"/>
@@ -4786,7 +4935,7 @@
 </p:sld>
 </file>
 
-<file path=ppt/slides/slide5.xml><?xml version="1.0" encoding="utf-8"?>
+<file path=ppt/slides/slide6.xml><?xml version="1.0" encoding="utf-8"?>
 <p:sld xmlns:a="http://schemas.openxmlformats.org/drawingml/2006/main" xmlns:r="http://schemas.openxmlformats.org/officeDocument/2006/relationships" xmlns:p="http://schemas.openxmlformats.org/presentationml/2006/main">
   <p:cSld>
     <p:spTree>

--- a/documentation/presentation.pptx
+++ b/documentation/presentation.pptx
@@ -4366,7 +4366,7 @@
           <a:graphicData uri="http://schemas.openxmlformats.org/presentationml/2006/ole">
             <mc:AlternateContent xmlns:mc="http://schemas.openxmlformats.org/markup-compatibility/2006">
               <mc:Choice xmlns:v="urn:schemas-microsoft-com:vml" Requires="v">
-                <p:oleObj spid="_x0000_s1033" name="Image bitmap" r:id="rId4" imgW="2161905" imgH="952633" progId="Paint.Picture">
+                <p:oleObj spid="_x0000_s1035" name="Image bitmap" r:id="rId4" imgW="2161905" imgH="952633" progId="Paint.Picture">
                   <p:embed/>
                 </p:oleObj>
               </mc:Choice>
@@ -4626,7 +4626,9 @@
         </p:nvSpPr>
         <p:spPr/>
         <p:txBody>
-          <a:bodyPr/>
+          <a:bodyPr>
+            <a:normAutofit lnSpcReduction="10000"/>
+          </a:bodyPr>
           <a:lstStyle/>
           <a:p>
             <a:r>
@@ -4652,7 +4654,36 @@
           <a:p>
             <a:r>
               <a:rPr lang="fr-FR" dirty="0"/>
-              <a:t>La partie développement</a:t>
+              <a:t>La partie </a:t>
+            </a:r>
+            <a:r>
+              <a:rPr lang="fr-FR" dirty="0" smtClean="0"/>
+              <a:t>développement</a:t>
+            </a:r>
+          </a:p>
+          <a:p>
+            <a:pPr lvl="1"/>
+            <a:r>
+              <a:rPr lang="fr-FR" dirty="0"/>
+              <a:t>Analyse et spécification de </a:t>
+            </a:r>
+            <a:r>
+              <a:rPr lang="fr-FR" dirty="0" smtClean="0"/>
+              <a:t>besoin</a:t>
+            </a:r>
+          </a:p>
+          <a:p>
+            <a:pPr lvl="1"/>
+            <a:r>
+              <a:rPr lang="fr-FR" dirty="0" smtClean="0"/>
+              <a:t>Conception</a:t>
+            </a:r>
+          </a:p>
+          <a:p>
+            <a:pPr lvl="1"/>
+            <a:r>
+              <a:rPr lang="fr-FR" dirty="0"/>
+              <a:t>Réalisation</a:t>
             </a:r>
           </a:p>
         </p:txBody>
